--- a/static/images/logo-RCM-coop-dev.pptx
+++ b/static/images/logo-RCM-coop-dev.pptx
@@ -8,6 +8,9 @@
     <p:sldId id="256" r:id="rId2"/>
     <p:sldId id="257" r:id="rId3"/>
     <p:sldId id="258" r:id="rId4"/>
+    <p:sldId id="262" r:id="rId5"/>
+    <p:sldId id="267" r:id="rId6"/>
+    <p:sldId id="268" r:id="rId7"/>
   </p:sldIdLst>
   <p:sldSz cx="12192000" cy="6858000"/>
   <p:notesSz cx="6858000" cy="9144000"/>
@@ -117,7 +120,7 @@
 <file path=ppt/revisionInfo.xml><?xml version="1.0" encoding="utf-8"?>
 <p1510:revInfo xmlns:a="http://schemas.openxmlformats.org/drawingml/2006/main" xmlns:r="http://schemas.openxmlformats.org/officeDocument/2006/relationships" xmlns:p1510="http://schemas.microsoft.com/office/powerpoint/2015/10/main">
   <p1510:revLst>
-    <p1510:client id="{F1C8B9D2-4377-2C45-B746-CF37BA7A4C1F}" v="2" dt="2025-01-23T18:23:41.427"/>
+    <p1510:client id="{F1C8B9D2-4377-2C45-B746-CF37BA7A4C1F}" v="13" dt="2025-01-30T17:57:32.477"/>
   </p1510:revLst>
 </p1510:revInfo>
 </file>
@@ -126,8 +129,8 @@
 <pc:chgInfo xmlns:a="http://schemas.openxmlformats.org/drawingml/2006/main" xmlns:r="http://schemas.openxmlformats.org/officeDocument/2006/relationships" xmlns:ac="http://schemas.microsoft.com/office/drawing/2013/main/command" xmlns:pc="http://schemas.microsoft.com/office/powerpoint/2013/main/command">
   <pc:docChgLst>
     <pc:chgData name="Cassandra Gould Van Praag" userId="d2248499-4cc7-4575-92a4-3dec06827e7f" providerId="ADAL" clId="{F1C8B9D2-4377-2C45-B746-CF37BA7A4C1F}"/>
-    <pc:docChg chg="undo custSel addSld modSld">
-      <pc:chgData name="Cassandra Gould Van Praag" userId="d2248499-4cc7-4575-92a4-3dec06827e7f" providerId="ADAL" clId="{F1C8B9D2-4377-2C45-B746-CF37BA7A4C1F}" dt="2025-01-28T14:25:02.915" v="52" actId="1076"/>
+    <pc:docChg chg="undo redo custSel addSld delSld modSld sldOrd">
+      <pc:chgData name="Cassandra Gould Van Praag" userId="d2248499-4cc7-4575-92a4-3dec06827e7f" providerId="ADAL" clId="{F1C8B9D2-4377-2C45-B746-CF37BA7A4C1F}" dt="2025-01-30T17:57:38.954" v="229" actId="478"/>
       <pc:docMkLst>
         <pc:docMk/>
       </pc:docMkLst>
@@ -184,6 +187,284 @@
             <ac:picMk id="15" creationId="{7DAEF6B5-E232-7248-4DCD-902F9DB96869}"/>
           </ac:picMkLst>
         </pc:picChg>
+      </pc:sldChg>
+      <pc:sldChg chg="addSp delSp modSp add del mod setBg">
+        <pc:chgData name="Cassandra Gould Van Praag" userId="d2248499-4cc7-4575-92a4-3dec06827e7f" providerId="ADAL" clId="{F1C8B9D2-4377-2C45-B746-CF37BA7A4C1F}" dt="2025-01-30T17:40:02.039" v="91" actId="2696"/>
+        <pc:sldMkLst>
+          <pc:docMk/>
+          <pc:sldMk cId="2574613050" sldId="259"/>
+        </pc:sldMkLst>
+        <pc:spChg chg="add mod">
+          <ac:chgData name="Cassandra Gould Van Praag" userId="d2248499-4cc7-4575-92a4-3dec06827e7f" providerId="ADAL" clId="{F1C8B9D2-4377-2C45-B746-CF37BA7A4C1F}" dt="2025-01-30T17:30:04.135" v="61" actId="1076"/>
+          <ac:spMkLst>
+            <pc:docMk/>
+            <pc:sldMk cId="2574613050" sldId="259"/>
+            <ac:spMk id="2" creationId="{B4238814-DB62-06FF-1D21-5F19FED69465}"/>
+          </ac:spMkLst>
+        </pc:spChg>
+        <pc:spChg chg="add mod">
+          <ac:chgData name="Cassandra Gould Van Praag" userId="d2248499-4cc7-4575-92a4-3dec06827e7f" providerId="ADAL" clId="{F1C8B9D2-4377-2C45-B746-CF37BA7A4C1F}" dt="2025-01-30T17:31:37.519" v="82" actId="14100"/>
+          <ac:spMkLst>
+            <pc:docMk/>
+            <pc:sldMk cId="2574613050" sldId="259"/>
+            <ac:spMk id="3" creationId="{E9B23948-0454-DA29-2656-D2F569A31C99}"/>
+          </ac:spMkLst>
+        </pc:spChg>
+        <pc:spChg chg="del">
+          <ac:chgData name="Cassandra Gould Van Praag" userId="d2248499-4cc7-4575-92a4-3dec06827e7f" providerId="ADAL" clId="{F1C8B9D2-4377-2C45-B746-CF37BA7A4C1F}" dt="2025-01-30T17:29:43.107" v="55" actId="478"/>
+          <ac:spMkLst>
+            <pc:docMk/>
+            <pc:sldMk cId="2574613050" sldId="259"/>
+            <ac:spMk id="16" creationId="{E3257FD5-55F4-69D9-4612-89B8C62ED5B9}"/>
+          </ac:spMkLst>
+        </pc:spChg>
+        <pc:spChg chg="del">
+          <ac:chgData name="Cassandra Gould Van Praag" userId="d2248499-4cc7-4575-92a4-3dec06827e7f" providerId="ADAL" clId="{F1C8B9D2-4377-2C45-B746-CF37BA7A4C1F}" dt="2025-01-30T17:29:44.301" v="56" actId="478"/>
+          <ac:spMkLst>
+            <pc:docMk/>
+            <pc:sldMk cId="2574613050" sldId="259"/>
+            <ac:spMk id="17" creationId="{DC5EF9F4-CD46-D8D7-FB73-A22D9034D777}"/>
+          </ac:spMkLst>
+        </pc:spChg>
+        <pc:picChg chg="mod">
+          <ac:chgData name="Cassandra Gould Van Praag" userId="d2248499-4cc7-4575-92a4-3dec06827e7f" providerId="ADAL" clId="{F1C8B9D2-4377-2C45-B746-CF37BA7A4C1F}" dt="2025-01-30T17:32:15.345" v="85" actId="1076"/>
+          <ac:picMkLst>
+            <pc:docMk/>
+            <pc:sldMk cId="2574613050" sldId="259"/>
+            <ac:picMk id="15" creationId="{85E148AC-4F00-4777-5B13-0BE52AC5C365}"/>
+          </ac:picMkLst>
+        </pc:picChg>
+      </pc:sldChg>
+      <pc:sldChg chg="delSp modSp add del mod">
+        <pc:chgData name="Cassandra Gould Van Praag" userId="d2248499-4cc7-4575-92a4-3dec06827e7f" providerId="ADAL" clId="{F1C8B9D2-4377-2C45-B746-CF37BA7A4C1F}" dt="2025-01-30T17:53:41.637" v="206" actId="2696"/>
+        <pc:sldMkLst>
+          <pc:docMk/>
+          <pc:sldMk cId="352792775" sldId="260"/>
+        </pc:sldMkLst>
+        <pc:spChg chg="mod">
+          <ac:chgData name="Cassandra Gould Van Praag" userId="d2248499-4cc7-4575-92a4-3dec06827e7f" providerId="ADAL" clId="{F1C8B9D2-4377-2C45-B746-CF37BA7A4C1F}" dt="2025-01-30T17:41:06.583" v="110" actId="1076"/>
+          <ac:spMkLst>
+            <pc:docMk/>
+            <pc:sldMk cId="352792775" sldId="260"/>
+            <ac:spMk id="16" creationId="{332CE46B-A105-2785-BE17-AEFA03BBF710}"/>
+          </ac:spMkLst>
+        </pc:spChg>
+        <pc:spChg chg="del">
+          <ac:chgData name="Cassandra Gould Van Praag" userId="d2248499-4cc7-4575-92a4-3dec06827e7f" providerId="ADAL" clId="{F1C8B9D2-4377-2C45-B746-CF37BA7A4C1F}" dt="2025-01-30T17:40:12.227" v="92" actId="478"/>
+          <ac:spMkLst>
+            <pc:docMk/>
+            <pc:sldMk cId="352792775" sldId="260"/>
+            <ac:spMk id="17" creationId="{C3A15379-BEC3-4A79-3639-3E48E7B04E32}"/>
+          </ac:spMkLst>
+        </pc:spChg>
+        <pc:picChg chg="mod">
+          <ac:chgData name="Cassandra Gould Van Praag" userId="d2248499-4cc7-4575-92a4-3dec06827e7f" providerId="ADAL" clId="{F1C8B9D2-4377-2C45-B746-CF37BA7A4C1F}" dt="2025-01-30T17:41:02.676" v="109" actId="1076"/>
+          <ac:picMkLst>
+            <pc:docMk/>
+            <pc:sldMk cId="352792775" sldId="260"/>
+            <ac:picMk id="15" creationId="{20A4AC6B-0CE3-6530-7B80-599B48B8756F}"/>
+          </ac:picMkLst>
+        </pc:picChg>
+      </pc:sldChg>
+      <pc:sldChg chg="modSp add del">
+        <pc:chgData name="Cassandra Gould Van Praag" userId="d2248499-4cc7-4575-92a4-3dec06827e7f" providerId="ADAL" clId="{F1C8B9D2-4377-2C45-B746-CF37BA7A4C1F}" dt="2025-01-30T17:40:02.039" v="91" actId="2696"/>
+        <pc:sldMkLst>
+          <pc:docMk/>
+          <pc:sldMk cId="1433239986" sldId="261"/>
+        </pc:sldMkLst>
+        <pc:picChg chg="mod">
+          <ac:chgData name="Cassandra Gould Van Praag" userId="d2248499-4cc7-4575-92a4-3dec06827e7f" providerId="ADAL" clId="{F1C8B9D2-4377-2C45-B746-CF37BA7A4C1F}" dt="2025-01-30T17:33:31.783" v="87" actId="1367"/>
+          <ac:picMkLst>
+            <pc:docMk/>
+            <pc:sldMk cId="1433239986" sldId="261"/>
+            <ac:picMk id="15" creationId="{FA396F7D-34D7-9BC1-DEAE-1C468560EF18}"/>
+          </ac:picMkLst>
+        </pc:picChg>
+      </pc:sldChg>
+      <pc:sldChg chg="modSp add mod">
+        <pc:chgData name="Cassandra Gould Van Praag" userId="d2248499-4cc7-4575-92a4-3dec06827e7f" providerId="ADAL" clId="{F1C8B9D2-4377-2C45-B746-CF37BA7A4C1F}" dt="2025-01-30T17:37:47.664" v="90" actId="1076"/>
+        <pc:sldMkLst>
+          <pc:docMk/>
+          <pc:sldMk cId="2395636350" sldId="262"/>
+        </pc:sldMkLst>
+        <pc:picChg chg="mod">
+          <ac:chgData name="Cassandra Gould Van Praag" userId="d2248499-4cc7-4575-92a4-3dec06827e7f" providerId="ADAL" clId="{F1C8B9D2-4377-2C45-B746-CF37BA7A4C1F}" dt="2025-01-30T17:37:47.664" v="90" actId="1076"/>
+          <ac:picMkLst>
+            <pc:docMk/>
+            <pc:sldMk cId="2395636350" sldId="262"/>
+            <ac:picMk id="15" creationId="{751F0139-149A-4B78-DB3E-822BF0E91412}"/>
+          </ac:picMkLst>
+        </pc:picChg>
+      </pc:sldChg>
+      <pc:sldChg chg="modSp add del mod ord">
+        <pc:chgData name="Cassandra Gould Van Praag" userId="d2248499-4cc7-4575-92a4-3dec06827e7f" providerId="ADAL" clId="{F1C8B9D2-4377-2C45-B746-CF37BA7A4C1F}" dt="2025-01-30T17:53:41.637" v="206" actId="2696"/>
+        <pc:sldMkLst>
+          <pc:docMk/>
+          <pc:sldMk cId="514661090" sldId="263"/>
+        </pc:sldMkLst>
+        <pc:spChg chg="mod">
+          <ac:chgData name="Cassandra Gould Van Praag" userId="d2248499-4cc7-4575-92a4-3dec06827e7f" providerId="ADAL" clId="{F1C8B9D2-4377-2C45-B746-CF37BA7A4C1F}" dt="2025-01-30T17:42:26.395" v="123" actId="14100"/>
+          <ac:spMkLst>
+            <pc:docMk/>
+            <pc:sldMk cId="514661090" sldId="263"/>
+            <ac:spMk id="16" creationId="{2C9B62ED-6DF4-C386-D5D7-DABCC7B55213}"/>
+          </ac:spMkLst>
+        </pc:spChg>
+        <pc:picChg chg="mod">
+          <ac:chgData name="Cassandra Gould Van Praag" userId="d2248499-4cc7-4575-92a4-3dec06827e7f" providerId="ADAL" clId="{F1C8B9D2-4377-2C45-B746-CF37BA7A4C1F}" dt="2025-01-30T17:42:32.194" v="125" actId="1076"/>
+          <ac:picMkLst>
+            <pc:docMk/>
+            <pc:sldMk cId="514661090" sldId="263"/>
+            <ac:picMk id="15" creationId="{6F14179E-3441-05B3-B5ED-2DB10A1FBD55}"/>
+          </ac:picMkLst>
+        </pc:picChg>
+      </pc:sldChg>
+      <pc:sldChg chg="addSp delSp modSp add del mod ord">
+        <pc:chgData name="Cassandra Gould Van Praag" userId="d2248499-4cc7-4575-92a4-3dec06827e7f" providerId="ADAL" clId="{F1C8B9D2-4377-2C45-B746-CF37BA7A4C1F}" dt="2025-01-30T17:52:24.494" v="202" actId="2696"/>
+        <pc:sldMkLst>
+          <pc:docMk/>
+          <pc:sldMk cId="4258866302" sldId="264"/>
+        </pc:sldMkLst>
+        <pc:spChg chg="add mod">
+          <ac:chgData name="Cassandra Gould Van Praag" userId="d2248499-4cc7-4575-92a4-3dec06827e7f" providerId="ADAL" clId="{F1C8B9D2-4377-2C45-B746-CF37BA7A4C1F}" dt="2025-01-30T17:47:36.844" v="168" actId="1076"/>
+          <ac:spMkLst>
+            <pc:docMk/>
+            <pc:sldMk cId="4258866302" sldId="264"/>
+            <ac:spMk id="2" creationId="{3529324F-D9C2-0987-1120-57258C40A03C}"/>
+          </ac:spMkLst>
+        </pc:spChg>
+        <pc:spChg chg="mod">
+          <ac:chgData name="Cassandra Gould Van Praag" userId="d2248499-4cc7-4575-92a4-3dec06827e7f" providerId="ADAL" clId="{F1C8B9D2-4377-2C45-B746-CF37BA7A4C1F}" dt="2025-01-30T17:47:44.517" v="170" actId="1076"/>
+          <ac:spMkLst>
+            <pc:docMk/>
+            <pc:sldMk cId="4258866302" sldId="264"/>
+            <ac:spMk id="16" creationId="{FDF5876F-BC57-6C1D-C4DD-39701D688908}"/>
+          </ac:spMkLst>
+        </pc:spChg>
+        <pc:spChg chg="del">
+          <ac:chgData name="Cassandra Gould Van Praag" userId="d2248499-4cc7-4575-92a4-3dec06827e7f" providerId="ADAL" clId="{F1C8B9D2-4377-2C45-B746-CF37BA7A4C1F}" dt="2025-01-30T17:44:30.734" v="129" actId="478"/>
+          <ac:spMkLst>
+            <pc:docMk/>
+            <pc:sldMk cId="4258866302" sldId="264"/>
+            <ac:spMk id="17" creationId="{804DEC0F-7581-9070-AEA8-B589F6CA8B5B}"/>
+          </ac:spMkLst>
+        </pc:spChg>
+        <pc:picChg chg="mod">
+          <ac:chgData name="Cassandra Gould Van Praag" userId="d2248499-4cc7-4575-92a4-3dec06827e7f" providerId="ADAL" clId="{F1C8B9D2-4377-2C45-B746-CF37BA7A4C1F}" dt="2025-01-30T17:47:26.606" v="167" actId="1076"/>
+          <ac:picMkLst>
+            <pc:docMk/>
+            <pc:sldMk cId="4258866302" sldId="264"/>
+            <ac:picMk id="15" creationId="{984F923B-2453-C3F2-63F2-269BE29AF37C}"/>
+          </ac:picMkLst>
+        </pc:picChg>
+      </pc:sldChg>
+      <pc:sldChg chg="addSp delSp modSp add del mod">
+        <pc:chgData name="Cassandra Gould Van Praag" userId="d2248499-4cc7-4575-92a4-3dec06827e7f" providerId="ADAL" clId="{F1C8B9D2-4377-2C45-B746-CF37BA7A4C1F}" dt="2025-01-30T17:57:00.345" v="221" actId="2696"/>
+        <pc:sldMkLst>
+          <pc:docMk/>
+          <pc:sldMk cId="2775549265" sldId="265"/>
+        </pc:sldMkLst>
+        <pc:spChg chg="mod">
+          <ac:chgData name="Cassandra Gould Van Praag" userId="d2248499-4cc7-4575-92a4-3dec06827e7f" providerId="ADAL" clId="{F1C8B9D2-4377-2C45-B746-CF37BA7A4C1F}" dt="2025-01-30T17:52:33.452" v="203" actId="207"/>
+          <ac:spMkLst>
+            <pc:docMk/>
+            <pc:sldMk cId="2775549265" sldId="265"/>
+            <ac:spMk id="2" creationId="{C68292D8-5FF6-C940-4DCD-7413A6FC592A}"/>
+          </ac:spMkLst>
+        </pc:spChg>
+        <pc:spChg chg="add del mod">
+          <ac:chgData name="Cassandra Gould Van Praag" userId="d2248499-4cc7-4575-92a4-3dec06827e7f" providerId="ADAL" clId="{F1C8B9D2-4377-2C45-B746-CF37BA7A4C1F}" dt="2025-01-30T17:52:48.456" v="205" actId="478"/>
+          <ac:spMkLst>
+            <pc:docMk/>
+            <pc:sldMk cId="2775549265" sldId="265"/>
+            <ac:spMk id="3" creationId="{D58FC199-67D1-D1F6-07A9-52894542CACA}"/>
+          </ac:spMkLst>
+        </pc:spChg>
+        <pc:spChg chg="mod">
+          <ac:chgData name="Cassandra Gould Van Praag" userId="d2248499-4cc7-4575-92a4-3dec06827e7f" providerId="ADAL" clId="{F1C8B9D2-4377-2C45-B746-CF37BA7A4C1F}" dt="2025-01-30T17:52:33.452" v="203" actId="207"/>
+          <ac:spMkLst>
+            <pc:docMk/>
+            <pc:sldMk cId="2775549265" sldId="265"/>
+            <ac:spMk id="16" creationId="{B4E9B1A2-FDB7-0BD9-0AE6-299ADCBDF234}"/>
+          </ac:spMkLst>
+        </pc:spChg>
+        <pc:picChg chg="mod">
+          <ac:chgData name="Cassandra Gould Van Praag" userId="d2248499-4cc7-4575-92a4-3dec06827e7f" providerId="ADAL" clId="{F1C8B9D2-4377-2C45-B746-CF37BA7A4C1F}" dt="2025-01-30T17:52:45.994" v="204"/>
+          <ac:picMkLst>
+            <pc:docMk/>
+            <pc:sldMk cId="2775549265" sldId="265"/>
+            <ac:picMk id="15" creationId="{6E58D2D4-82F5-F17D-DDD5-5D824EE20DE0}"/>
+          </ac:picMkLst>
+        </pc:picChg>
+      </pc:sldChg>
+      <pc:sldChg chg="modSp add del mod">
+        <pc:chgData name="Cassandra Gould Van Praag" userId="d2248499-4cc7-4575-92a4-3dec06827e7f" providerId="ADAL" clId="{F1C8B9D2-4377-2C45-B746-CF37BA7A4C1F}" dt="2025-01-30T17:57:18.870" v="225" actId="2696"/>
+        <pc:sldMkLst>
+          <pc:docMk/>
+          <pc:sldMk cId="4243949110" sldId="266"/>
+        </pc:sldMkLst>
+        <pc:spChg chg="mod">
+          <ac:chgData name="Cassandra Gould Van Praag" userId="d2248499-4cc7-4575-92a4-3dec06827e7f" providerId="ADAL" clId="{F1C8B9D2-4377-2C45-B746-CF37BA7A4C1F}" dt="2025-01-30T17:56:43.605" v="220" actId="1037"/>
+          <ac:spMkLst>
+            <pc:docMk/>
+            <pc:sldMk cId="4243949110" sldId="266"/>
+            <ac:spMk id="2" creationId="{2F96B286-046B-ADD3-C419-74D432EB5BB1}"/>
+          </ac:spMkLst>
+        </pc:spChg>
+        <pc:spChg chg="mod">
+          <ac:chgData name="Cassandra Gould Van Praag" userId="d2248499-4cc7-4575-92a4-3dec06827e7f" providerId="ADAL" clId="{F1C8B9D2-4377-2C45-B746-CF37BA7A4C1F}" dt="2025-01-30T17:56:43.605" v="220" actId="1037"/>
+          <ac:spMkLst>
+            <pc:docMk/>
+            <pc:sldMk cId="4243949110" sldId="266"/>
+            <ac:spMk id="16" creationId="{2E763038-4A81-99FD-FA68-26BD13BF37A4}"/>
+          </ac:spMkLst>
+        </pc:spChg>
+      </pc:sldChg>
+      <pc:sldChg chg="delSp modSp add mod">
+        <pc:chgData name="Cassandra Gould Van Praag" userId="d2248499-4cc7-4575-92a4-3dec06827e7f" providerId="ADAL" clId="{F1C8B9D2-4377-2C45-B746-CF37BA7A4C1F}" dt="2025-01-30T17:57:38.954" v="229" actId="478"/>
+        <pc:sldMkLst>
+          <pc:docMk/>
+          <pc:sldMk cId="991837179" sldId="267"/>
+        </pc:sldMkLst>
+        <pc:spChg chg="mod">
+          <ac:chgData name="Cassandra Gould Van Praag" userId="d2248499-4cc7-4575-92a4-3dec06827e7f" providerId="ADAL" clId="{F1C8B9D2-4377-2C45-B746-CF37BA7A4C1F}" dt="2025-01-30T17:57:36.764" v="228" actId="207"/>
+          <ac:spMkLst>
+            <pc:docMk/>
+            <pc:sldMk cId="991837179" sldId="267"/>
+            <ac:spMk id="2" creationId="{35E25FF8-0506-8A6F-340C-46F748CA9204}"/>
+          </ac:spMkLst>
+        </pc:spChg>
+        <pc:spChg chg="del">
+          <ac:chgData name="Cassandra Gould Van Praag" userId="d2248499-4cc7-4575-92a4-3dec06827e7f" providerId="ADAL" clId="{F1C8B9D2-4377-2C45-B746-CF37BA7A4C1F}" dt="2025-01-30T17:57:38.954" v="229" actId="478"/>
+          <ac:spMkLst>
+            <pc:docMk/>
+            <pc:sldMk cId="991837179" sldId="267"/>
+            <ac:spMk id="3" creationId="{16A6B215-D626-CA69-F6E2-704DE34CD1F5}"/>
+          </ac:spMkLst>
+        </pc:spChg>
+        <pc:spChg chg="mod">
+          <ac:chgData name="Cassandra Gould Van Praag" userId="d2248499-4cc7-4575-92a4-3dec06827e7f" providerId="ADAL" clId="{F1C8B9D2-4377-2C45-B746-CF37BA7A4C1F}" dt="2025-01-30T17:57:36.764" v="228" actId="207"/>
+          <ac:spMkLst>
+            <pc:docMk/>
+            <pc:sldMk cId="991837179" sldId="267"/>
+            <ac:spMk id="16" creationId="{3850E132-CE44-4FA8-12B2-AB69839EF53D}"/>
+          </ac:spMkLst>
+        </pc:spChg>
+        <pc:picChg chg="mod">
+          <ac:chgData name="Cassandra Gould Van Praag" userId="d2248499-4cc7-4575-92a4-3dec06827e7f" providerId="ADAL" clId="{F1C8B9D2-4377-2C45-B746-CF37BA7A4C1F}" dt="2025-01-30T17:57:32.476" v="227"/>
+          <ac:picMkLst>
+            <pc:docMk/>
+            <pc:sldMk cId="991837179" sldId="267"/>
+            <ac:picMk id="15" creationId="{6FA9B8AC-39F3-952B-3524-296BE5929308}"/>
+          </ac:picMkLst>
+        </pc:picChg>
+      </pc:sldChg>
+      <pc:sldChg chg="add">
+        <pc:chgData name="Cassandra Gould Van Praag" userId="d2248499-4cc7-4575-92a4-3dec06827e7f" providerId="ADAL" clId="{F1C8B9D2-4377-2C45-B746-CF37BA7A4C1F}" dt="2025-01-30T17:57:22.621" v="226" actId="2890"/>
+        <pc:sldMkLst>
+          <pc:docMk/>
+          <pc:sldMk cId="608892475" sldId="268"/>
+        </pc:sldMkLst>
       </pc:sldChg>
     </pc:docChg>
   </pc:docChgLst>
@@ -4156,6 +4437,530 @@
 </p:sld>
 </file>
 
+<file path=ppt/slides/slide4.xml><?xml version="1.0" encoding="utf-8"?>
+<p:sld xmlns:a="http://schemas.openxmlformats.org/drawingml/2006/main" xmlns:r="http://schemas.openxmlformats.org/officeDocument/2006/relationships" xmlns:p="http://schemas.openxmlformats.org/presentationml/2006/main">
+  <p:cSld>
+    <p:bg>
+      <p:bgPr>
+        <a:solidFill>
+          <a:schemeClr val="bg1"/>
+        </a:solidFill>
+        <a:effectLst/>
+      </p:bgPr>
+    </p:bg>
+    <p:spTree>
+      <p:nvGrpSpPr>
+        <p:cNvPr id="1" name="">
+          <a:extLst>
+            <a:ext uri="{FF2B5EF4-FFF2-40B4-BE49-F238E27FC236}">
+              <a16:creationId xmlns:a16="http://schemas.microsoft.com/office/drawing/2014/main" id="{1BB3B966-D771-FABC-931F-C89837BC29BE}"/>
+            </a:ext>
+          </a:extLst>
+        </p:cNvPr>
+        <p:cNvGrpSpPr/>
+        <p:nvPr/>
+      </p:nvGrpSpPr>
+      <p:grpSpPr>
+        <a:xfrm>
+          <a:off x="0" y="0"/>
+          <a:ext cx="0" cy="0"/>
+          <a:chOff x="0" y="0"/>
+          <a:chExt cx="0" cy="0"/>
+        </a:xfrm>
+      </p:grpSpPr>
+      <p:sp>
+        <p:nvSpPr>
+          <p:cNvPr id="2" name="Rectangle 1">
+            <a:extLst>
+              <a:ext uri="{FF2B5EF4-FFF2-40B4-BE49-F238E27FC236}">
+                <a16:creationId xmlns:a16="http://schemas.microsoft.com/office/drawing/2014/main" id="{6961B186-2754-326F-5146-4CE721EDC446}"/>
+              </a:ext>
+            </a:extLst>
+          </p:cNvPr>
+          <p:cNvSpPr/>
+          <p:nvPr/>
+        </p:nvSpPr>
+        <p:spPr>
+          <a:xfrm>
+            <a:off x="3514381" y="771181"/>
+            <a:ext cx="6224530" cy="4109291"/>
+          </a:xfrm>
+          <a:prstGeom prst="rect">
+            <a:avLst/>
+          </a:prstGeom>
+          <a:solidFill>
+            <a:srgbClr val="00B050"/>
+          </a:solidFill>
+        </p:spPr>
+        <p:style>
+          <a:lnRef idx="2">
+            <a:schemeClr val="accent1">
+              <a:shade val="15000"/>
+            </a:schemeClr>
+          </a:lnRef>
+          <a:fillRef idx="1">
+            <a:schemeClr val="accent1"/>
+          </a:fillRef>
+          <a:effectRef idx="0">
+            <a:schemeClr val="accent1"/>
+          </a:effectRef>
+          <a:fontRef idx="minor">
+            <a:schemeClr val="lt1"/>
+          </a:fontRef>
+        </p:style>
+        <p:txBody>
+          <a:bodyPr rtlCol="0" anchor="ctr"/>
+          <a:lstStyle/>
+          <a:p>
+            <a:pPr algn="ctr"/>
+            <a:endParaRPr lang="en-US"/>
+          </a:p>
+        </p:txBody>
+      </p:sp>
+      <p:sp>
+        <p:nvSpPr>
+          <p:cNvPr id="3" name="Oval 2">
+            <a:extLst>
+              <a:ext uri="{FF2B5EF4-FFF2-40B4-BE49-F238E27FC236}">
+                <a16:creationId xmlns:a16="http://schemas.microsoft.com/office/drawing/2014/main" id="{D12A8A7B-8CE0-DB1E-54FD-EC6AA8C80768}"/>
+              </a:ext>
+            </a:extLst>
+          </p:cNvPr>
+          <p:cNvSpPr/>
+          <p:nvPr/>
+        </p:nvSpPr>
+        <p:spPr>
+          <a:xfrm>
+            <a:off x="5083565" y="1289132"/>
+            <a:ext cx="2916000" cy="2916000"/>
+          </a:xfrm>
+          <a:prstGeom prst="ellipse">
+            <a:avLst/>
+          </a:prstGeom>
+          <a:solidFill>
+            <a:schemeClr val="bg1"/>
+          </a:solidFill>
+          <a:ln>
+            <a:noFill/>
+          </a:ln>
+        </p:spPr>
+        <p:style>
+          <a:lnRef idx="2">
+            <a:schemeClr val="accent1">
+              <a:shade val="15000"/>
+            </a:schemeClr>
+          </a:lnRef>
+          <a:fillRef idx="1">
+            <a:schemeClr val="accent1"/>
+          </a:fillRef>
+          <a:effectRef idx="0">
+            <a:schemeClr val="accent1"/>
+          </a:effectRef>
+          <a:fontRef idx="minor">
+            <a:schemeClr val="lt1"/>
+          </a:fontRef>
+        </p:style>
+        <p:txBody>
+          <a:bodyPr rtlCol="0" anchor="ctr"/>
+          <a:lstStyle/>
+          <a:p>
+            <a:pPr algn="ctr"/>
+            <a:endParaRPr lang="en-US"/>
+          </a:p>
+        </p:txBody>
+      </p:sp>
+      <p:pic>
+        <p:nvPicPr>
+          <p:cNvPr id="15" name="Picture 14">
+            <a:extLst>
+              <a:ext uri="{FF2B5EF4-FFF2-40B4-BE49-F238E27FC236}">
+                <a16:creationId xmlns:a16="http://schemas.microsoft.com/office/drawing/2014/main" id="{751F0139-149A-4B78-DB3E-822BF0E91412}"/>
+              </a:ext>
+            </a:extLst>
+          </p:cNvPr>
+          <p:cNvPicPr>
+            <a:picLocks noChangeAspect="1"/>
+          </p:cNvPicPr>
+          <p:nvPr/>
+        </p:nvPicPr>
+        <p:blipFill>
+          <a:blip r:embed="rId2">
+            <a:biLevel thresh="50000"/>
+          </a:blip>
+          <a:stretch>
+            <a:fillRect/>
+          </a:stretch>
+        </p:blipFill>
+        <p:spPr>
+          <a:xfrm>
+            <a:off x="5215735" y="1421841"/>
+            <a:ext cx="2435669" cy="2650582"/>
+          </a:xfrm>
+          <a:prstGeom prst="rect">
+            <a:avLst/>
+          </a:prstGeom>
+        </p:spPr>
+      </p:pic>
+    </p:spTree>
+    <p:extLst>
+      <p:ext uri="{BB962C8B-B14F-4D97-AF65-F5344CB8AC3E}">
+        <p14:creationId xmlns:p14="http://schemas.microsoft.com/office/powerpoint/2010/main" val="2395636350"/>
+      </p:ext>
+    </p:extLst>
+  </p:cSld>
+  <p:clrMapOvr>
+    <a:masterClrMapping/>
+  </p:clrMapOvr>
+</p:sld>
+</file>
+
+<file path=ppt/slides/slide5.xml><?xml version="1.0" encoding="utf-8"?>
+<p:sld xmlns:a="http://schemas.openxmlformats.org/drawingml/2006/main" xmlns:r="http://schemas.openxmlformats.org/officeDocument/2006/relationships" xmlns:p="http://schemas.openxmlformats.org/presentationml/2006/main">
+  <p:cSld>
+    <p:spTree>
+      <p:nvGrpSpPr>
+        <p:cNvPr id="1" name="">
+          <a:extLst>
+            <a:ext uri="{FF2B5EF4-FFF2-40B4-BE49-F238E27FC236}">
+              <a16:creationId xmlns:a16="http://schemas.microsoft.com/office/drawing/2014/main" id="{57C506CE-72FA-30BE-B8B9-67E1E6B584BF}"/>
+            </a:ext>
+          </a:extLst>
+        </p:cNvPr>
+        <p:cNvGrpSpPr/>
+        <p:nvPr/>
+      </p:nvGrpSpPr>
+      <p:grpSpPr>
+        <a:xfrm>
+          <a:off x="0" y="0"/>
+          <a:ext cx="0" cy="0"/>
+          <a:chOff x="0" y="0"/>
+          <a:chExt cx="0" cy="0"/>
+        </a:xfrm>
+      </p:grpSpPr>
+      <p:pic>
+        <p:nvPicPr>
+          <p:cNvPr id="15" name="Picture 14">
+            <a:extLst>
+              <a:ext uri="{FF2B5EF4-FFF2-40B4-BE49-F238E27FC236}">
+                <a16:creationId xmlns:a16="http://schemas.microsoft.com/office/drawing/2014/main" id="{6FA9B8AC-39F3-952B-3524-296BE5929308}"/>
+              </a:ext>
+            </a:extLst>
+          </p:cNvPr>
+          <p:cNvPicPr>
+            <a:picLocks noChangeAspect="1"/>
+          </p:cNvPicPr>
+          <p:nvPr/>
+        </p:nvPicPr>
+        <p:blipFill>
+          <a:blip r:embed="rId2"/>
+          <a:stretch>
+            <a:fillRect/>
+          </a:stretch>
+        </p:blipFill>
+        <p:spPr>
+          <a:xfrm>
+            <a:off x="3327465" y="1947221"/>
+            <a:ext cx="1956690" cy="2129339"/>
+          </a:xfrm>
+          <a:prstGeom prst="rect">
+            <a:avLst/>
+          </a:prstGeom>
+        </p:spPr>
+      </p:pic>
+      <p:sp>
+        <p:nvSpPr>
+          <p:cNvPr id="16" name="TextBox 15">
+            <a:extLst>
+              <a:ext uri="{FF2B5EF4-FFF2-40B4-BE49-F238E27FC236}">
+                <a16:creationId xmlns:a16="http://schemas.microsoft.com/office/drawing/2014/main" id="{3850E132-CE44-4FA8-12B2-AB69839EF53D}"/>
+              </a:ext>
+            </a:extLst>
+          </p:cNvPr>
+          <p:cNvSpPr txBox="1"/>
+          <p:nvPr/>
+        </p:nvSpPr>
+        <p:spPr>
+          <a:xfrm>
+            <a:off x="5225241" y="2064923"/>
+            <a:ext cx="2931944" cy="1477328"/>
+          </a:xfrm>
+          <a:prstGeom prst="rect">
+            <a:avLst/>
+          </a:prstGeom>
+          <a:noFill/>
+        </p:spPr>
+        <p:txBody>
+          <a:bodyPr wrap="square" rtlCol="0">
+            <a:spAutoFit/>
+          </a:bodyPr>
+          <a:lstStyle/>
+          <a:p>
+            <a:pPr algn="ctr"/>
+            <a:r>
+              <a:rPr lang="en-US" sz="9000" b="1" dirty="0">
+                <a:solidFill>
+                  <a:srgbClr val="545455"/>
+                </a:solidFill>
+                <a:latin typeface="SF Orson Casual Medium" pitchFamily="2" charset="0"/>
+              </a:rPr>
+              <a:t>RCM</a:t>
+            </a:r>
+          </a:p>
+        </p:txBody>
+      </p:sp>
+      <p:sp>
+        <p:nvSpPr>
+          <p:cNvPr id="2" name="TextBox 1">
+            <a:extLst>
+              <a:ext uri="{FF2B5EF4-FFF2-40B4-BE49-F238E27FC236}">
+                <a16:creationId xmlns:a16="http://schemas.microsoft.com/office/drawing/2014/main" id="{35E25FF8-0506-8A6F-340C-46F748CA9204}"/>
+              </a:ext>
+            </a:extLst>
+          </p:cNvPr>
+          <p:cNvSpPr txBox="1"/>
+          <p:nvPr/>
+        </p:nvSpPr>
+        <p:spPr>
+          <a:xfrm>
+            <a:off x="5082215" y="3368674"/>
+            <a:ext cx="3217997" cy="707886"/>
+          </a:xfrm>
+          <a:prstGeom prst="rect">
+            <a:avLst/>
+          </a:prstGeom>
+          <a:noFill/>
+        </p:spPr>
+        <p:txBody>
+          <a:bodyPr wrap="none" rtlCol="0">
+            <a:spAutoFit/>
+          </a:bodyPr>
+          <a:lstStyle/>
+          <a:p>
+            <a:pPr algn="ctr"/>
+            <a:r>
+              <a:rPr lang="en-US" sz="4000" b="1" dirty="0">
+                <a:solidFill>
+                  <a:srgbClr val="545455"/>
+                </a:solidFill>
+                <a:latin typeface="SF Orson Casual Medium" pitchFamily="2" charset="0"/>
+              </a:rPr>
+              <a:t>Cooperative</a:t>
+            </a:r>
+          </a:p>
+        </p:txBody>
+      </p:sp>
+    </p:spTree>
+    <p:extLst>
+      <p:ext uri="{BB962C8B-B14F-4D97-AF65-F5344CB8AC3E}">
+        <p14:creationId xmlns:p14="http://schemas.microsoft.com/office/powerpoint/2010/main" val="991837179"/>
+      </p:ext>
+    </p:extLst>
+  </p:cSld>
+  <p:clrMapOvr>
+    <a:masterClrMapping/>
+  </p:clrMapOvr>
+</p:sld>
+</file>
+
+<file path=ppt/slides/slide6.xml><?xml version="1.0" encoding="utf-8"?>
+<p:sld xmlns:a="http://schemas.openxmlformats.org/drawingml/2006/main" xmlns:r="http://schemas.openxmlformats.org/officeDocument/2006/relationships" xmlns:p="http://schemas.openxmlformats.org/presentationml/2006/main">
+  <p:cSld>
+    <p:spTree>
+      <p:nvGrpSpPr>
+        <p:cNvPr id="1" name="">
+          <a:extLst>
+            <a:ext uri="{FF2B5EF4-FFF2-40B4-BE49-F238E27FC236}">
+              <a16:creationId xmlns:a16="http://schemas.microsoft.com/office/drawing/2014/main" id="{E5D8A59F-3D34-86C7-6062-1BFC2F8FF374}"/>
+            </a:ext>
+          </a:extLst>
+        </p:cNvPr>
+        <p:cNvGrpSpPr/>
+        <p:nvPr/>
+      </p:nvGrpSpPr>
+      <p:grpSpPr>
+        <a:xfrm>
+          <a:off x="0" y="0"/>
+          <a:ext cx="0" cy="0"/>
+          <a:chOff x="0" y="0"/>
+          <a:chExt cx="0" cy="0"/>
+        </a:xfrm>
+      </p:grpSpPr>
+      <p:sp>
+        <p:nvSpPr>
+          <p:cNvPr id="3" name="Rectangle 2">
+            <a:extLst>
+              <a:ext uri="{FF2B5EF4-FFF2-40B4-BE49-F238E27FC236}">
+                <a16:creationId xmlns:a16="http://schemas.microsoft.com/office/drawing/2014/main" id="{32B25E25-AE7F-86B3-86B6-FAFF2B83B1DC}"/>
+              </a:ext>
+            </a:extLst>
+          </p:cNvPr>
+          <p:cNvSpPr/>
+          <p:nvPr/>
+        </p:nvSpPr>
+        <p:spPr>
+          <a:xfrm>
+            <a:off x="2732503" y="957244"/>
+            <a:ext cx="6224530" cy="4109291"/>
+          </a:xfrm>
+          <a:prstGeom prst="rect">
+            <a:avLst/>
+          </a:prstGeom>
+          <a:solidFill>
+            <a:srgbClr val="00B050"/>
+          </a:solidFill>
+        </p:spPr>
+        <p:style>
+          <a:lnRef idx="2">
+            <a:schemeClr val="accent1">
+              <a:shade val="15000"/>
+            </a:schemeClr>
+          </a:lnRef>
+          <a:fillRef idx="1">
+            <a:schemeClr val="accent1"/>
+          </a:fillRef>
+          <a:effectRef idx="0">
+            <a:schemeClr val="accent1"/>
+          </a:effectRef>
+          <a:fontRef idx="minor">
+            <a:schemeClr val="lt1"/>
+          </a:fontRef>
+        </p:style>
+        <p:txBody>
+          <a:bodyPr rtlCol="0" anchor="ctr"/>
+          <a:lstStyle/>
+          <a:p>
+            <a:pPr algn="ctr"/>
+            <a:endParaRPr lang="en-US"/>
+          </a:p>
+        </p:txBody>
+      </p:sp>
+      <p:pic>
+        <p:nvPicPr>
+          <p:cNvPr id="15" name="Picture 14">
+            <a:extLst>
+              <a:ext uri="{FF2B5EF4-FFF2-40B4-BE49-F238E27FC236}">
+                <a16:creationId xmlns:a16="http://schemas.microsoft.com/office/drawing/2014/main" id="{C3080791-AC69-70D5-79AF-E34FF3690D4A}"/>
+              </a:ext>
+            </a:extLst>
+          </p:cNvPr>
+          <p:cNvPicPr>
+            <a:picLocks noChangeAspect="1"/>
+          </p:cNvPicPr>
+          <p:nvPr/>
+        </p:nvPicPr>
+        <p:blipFill>
+          <a:blip r:embed="rId2">
+            <a:biLevel thresh="25000"/>
+          </a:blip>
+          <a:stretch>
+            <a:fillRect/>
+          </a:stretch>
+        </p:blipFill>
+        <p:spPr>
+          <a:xfrm>
+            <a:off x="3327465" y="1947221"/>
+            <a:ext cx="1956690" cy="2129339"/>
+          </a:xfrm>
+          <a:prstGeom prst="rect">
+            <a:avLst/>
+          </a:prstGeom>
+        </p:spPr>
+      </p:pic>
+      <p:sp>
+        <p:nvSpPr>
+          <p:cNvPr id="16" name="TextBox 15">
+            <a:extLst>
+              <a:ext uri="{FF2B5EF4-FFF2-40B4-BE49-F238E27FC236}">
+                <a16:creationId xmlns:a16="http://schemas.microsoft.com/office/drawing/2014/main" id="{2CD93FA1-7B75-EA99-8F78-F16664E56BC3}"/>
+              </a:ext>
+            </a:extLst>
+          </p:cNvPr>
+          <p:cNvSpPr txBox="1"/>
+          <p:nvPr/>
+        </p:nvSpPr>
+        <p:spPr>
+          <a:xfrm>
+            <a:off x="5225241" y="2064923"/>
+            <a:ext cx="2931944" cy="1477328"/>
+          </a:xfrm>
+          <a:prstGeom prst="rect">
+            <a:avLst/>
+          </a:prstGeom>
+          <a:noFill/>
+        </p:spPr>
+        <p:txBody>
+          <a:bodyPr wrap="square" rtlCol="0">
+            <a:spAutoFit/>
+          </a:bodyPr>
+          <a:lstStyle/>
+          <a:p>
+            <a:pPr algn="ctr"/>
+            <a:r>
+              <a:rPr lang="en-US" sz="9000" b="1" dirty="0">
+                <a:solidFill>
+                  <a:schemeClr val="bg1"/>
+                </a:solidFill>
+                <a:latin typeface="SF Orson Casual Medium" pitchFamily="2" charset="0"/>
+              </a:rPr>
+              <a:t>RCM</a:t>
+            </a:r>
+          </a:p>
+        </p:txBody>
+      </p:sp>
+      <p:sp>
+        <p:nvSpPr>
+          <p:cNvPr id="2" name="TextBox 1">
+            <a:extLst>
+              <a:ext uri="{FF2B5EF4-FFF2-40B4-BE49-F238E27FC236}">
+                <a16:creationId xmlns:a16="http://schemas.microsoft.com/office/drawing/2014/main" id="{3F5082BF-04F0-90DB-4DC0-3BAF974CD0E2}"/>
+              </a:ext>
+            </a:extLst>
+          </p:cNvPr>
+          <p:cNvSpPr txBox="1"/>
+          <p:nvPr/>
+        </p:nvSpPr>
+        <p:spPr>
+          <a:xfrm>
+            <a:off x="5082215" y="3368674"/>
+            <a:ext cx="3217997" cy="707886"/>
+          </a:xfrm>
+          <a:prstGeom prst="rect">
+            <a:avLst/>
+          </a:prstGeom>
+          <a:noFill/>
+        </p:spPr>
+        <p:txBody>
+          <a:bodyPr wrap="none" rtlCol="0">
+            <a:spAutoFit/>
+          </a:bodyPr>
+          <a:lstStyle/>
+          <a:p>
+            <a:pPr algn="ctr"/>
+            <a:r>
+              <a:rPr lang="en-US" sz="4000" b="1" dirty="0">
+                <a:solidFill>
+                  <a:schemeClr val="bg1"/>
+                </a:solidFill>
+                <a:latin typeface="SF Orson Casual Medium" pitchFamily="2" charset="0"/>
+              </a:rPr>
+              <a:t>Cooperative</a:t>
+            </a:r>
+          </a:p>
+        </p:txBody>
+      </p:sp>
+    </p:spTree>
+    <p:extLst>
+      <p:ext uri="{BB962C8B-B14F-4D97-AF65-F5344CB8AC3E}">
+        <p14:creationId xmlns:p14="http://schemas.microsoft.com/office/powerpoint/2010/main" val="608892475"/>
+      </p:ext>
+    </p:extLst>
+  </p:cSld>
+  <p:clrMapOvr>
+    <a:masterClrMapping/>
+  </p:clrMapOvr>
+</p:sld>
+</file>
+
 <file path=ppt/theme/theme1.xml><?xml version="1.0" encoding="utf-8"?>
 <a:theme xmlns:a="http://schemas.openxmlformats.org/drawingml/2006/main" name="Office Theme">
   <a:themeElements>

--- a/static/images/logo-RCM-coop-dev.pptx
+++ b/static/images/logo-RCM-coop-dev.pptx
@@ -9,8 +9,9 @@
     <p:sldId id="257" r:id="rId3"/>
     <p:sldId id="258" r:id="rId4"/>
     <p:sldId id="262" r:id="rId5"/>
-    <p:sldId id="267" r:id="rId6"/>
-    <p:sldId id="268" r:id="rId7"/>
+    <p:sldId id="269" r:id="rId6"/>
+    <p:sldId id="267" r:id="rId7"/>
+    <p:sldId id="268" r:id="rId8"/>
   </p:sldIdLst>
   <p:sldSz cx="12192000" cy="6858000"/>
   <p:notesSz cx="6858000" cy="9144000"/>
@@ -120,7 +121,7 @@
 <file path=ppt/revisionInfo.xml><?xml version="1.0" encoding="utf-8"?>
 <p1510:revInfo xmlns:a="http://schemas.openxmlformats.org/drawingml/2006/main" xmlns:r="http://schemas.openxmlformats.org/officeDocument/2006/relationships" xmlns:p1510="http://schemas.microsoft.com/office/powerpoint/2015/10/main">
   <p1510:revLst>
-    <p1510:client id="{F1C8B9D2-4377-2C45-B746-CF37BA7A4C1F}" v="13" dt="2025-01-30T17:57:32.477"/>
+    <p1510:client id="{F1C8B9D2-4377-2C45-B746-CF37BA7A4C1F}" v="15" dt="2025-01-30T22:02:56.202"/>
   </p1510:revLst>
 </p1510:revInfo>
 </file>
@@ -130,7 +131,7 @@
   <pc:docChgLst>
     <pc:chgData name="Cassandra Gould Van Praag" userId="d2248499-4cc7-4575-92a4-3dec06827e7f" providerId="ADAL" clId="{F1C8B9D2-4377-2C45-B746-CF37BA7A4C1F}"/>
     <pc:docChg chg="undo redo custSel addSld delSld modSld sldOrd">
-      <pc:chgData name="Cassandra Gould Van Praag" userId="d2248499-4cc7-4575-92a4-3dec06827e7f" providerId="ADAL" clId="{F1C8B9D2-4377-2C45-B746-CF37BA7A4C1F}" dt="2025-01-30T17:57:38.954" v="229" actId="478"/>
+      <pc:chgData name="Cassandra Gould Van Praag" userId="d2248499-4cc7-4575-92a4-3dec06827e7f" providerId="ADAL" clId="{F1C8B9D2-4377-2C45-B746-CF37BA7A4C1F}" dt="2025-01-30T22:02:56.202" v="237"/>
       <pc:docMkLst>
         <pc:docMk/>
       </pc:docMkLst>
@@ -466,6 +467,45 @@
           <pc:sldMk cId="608892475" sldId="268"/>
         </pc:sldMkLst>
       </pc:sldChg>
+      <pc:sldChg chg="addSp delSp modSp add mod">
+        <pc:chgData name="Cassandra Gould Van Praag" userId="d2248499-4cc7-4575-92a4-3dec06827e7f" providerId="ADAL" clId="{F1C8B9D2-4377-2C45-B746-CF37BA7A4C1F}" dt="2025-01-30T22:02:56.202" v="237"/>
+        <pc:sldMkLst>
+          <pc:docMk/>
+          <pc:sldMk cId="2701810344" sldId="269"/>
+        </pc:sldMkLst>
+        <pc:spChg chg="del">
+          <ac:chgData name="Cassandra Gould Van Praag" userId="d2248499-4cc7-4575-92a4-3dec06827e7f" providerId="ADAL" clId="{F1C8B9D2-4377-2C45-B746-CF37BA7A4C1F}" dt="2025-01-30T21:53:13.683" v="231" actId="478"/>
+          <ac:spMkLst>
+            <pc:docMk/>
+            <pc:sldMk cId="2701810344" sldId="269"/>
+            <ac:spMk id="2" creationId="{CA2ACC63-036E-A131-47D4-EFCA030AFB3D}"/>
+          </ac:spMkLst>
+        </pc:spChg>
+        <pc:spChg chg="del">
+          <ac:chgData name="Cassandra Gould Van Praag" userId="d2248499-4cc7-4575-92a4-3dec06827e7f" providerId="ADAL" clId="{F1C8B9D2-4377-2C45-B746-CF37BA7A4C1F}" dt="2025-01-30T21:53:22.076" v="234" actId="478"/>
+          <ac:spMkLst>
+            <pc:docMk/>
+            <pc:sldMk cId="2701810344" sldId="269"/>
+            <ac:spMk id="3" creationId="{4F2DE65E-95E7-8A45-3E16-DAD1F46FCAE4}"/>
+          </ac:spMkLst>
+        </pc:spChg>
+        <pc:picChg chg="add">
+          <ac:chgData name="Cassandra Gould Van Praag" userId="d2248499-4cc7-4575-92a4-3dec06827e7f" providerId="ADAL" clId="{F1C8B9D2-4377-2C45-B746-CF37BA7A4C1F}" dt="2025-01-30T22:02:56.202" v="237"/>
+          <ac:picMkLst>
+            <pc:docMk/>
+            <pc:sldMk cId="2701810344" sldId="269"/>
+            <ac:picMk id="4" creationId="{D9F51890-851B-182B-22AB-68656A8B163C}"/>
+          </ac:picMkLst>
+        </pc:picChg>
+        <pc:picChg chg="add del mod">
+          <ac:chgData name="Cassandra Gould Van Praag" userId="d2248499-4cc7-4575-92a4-3dec06827e7f" providerId="ADAL" clId="{F1C8B9D2-4377-2C45-B746-CF37BA7A4C1F}" dt="2025-01-30T22:02:55.269" v="236" actId="478"/>
+          <ac:picMkLst>
+            <pc:docMk/>
+            <pc:sldMk cId="2701810344" sldId="269"/>
+            <ac:picMk id="15" creationId="{F192A07C-9B3B-5B42-CF34-3ADC20E7A3FA}"/>
+          </ac:picMkLst>
+        </pc:picChg>
+      </pc:sldChg>
     </pc:docChg>
   </pc:docChgLst>
 </pc:chgInfo>
@@ -4617,6 +4657,80 @@
 <file path=ppt/slides/slide5.xml><?xml version="1.0" encoding="utf-8"?>
 <p:sld xmlns:a="http://schemas.openxmlformats.org/drawingml/2006/main" xmlns:r="http://schemas.openxmlformats.org/officeDocument/2006/relationships" xmlns:p="http://schemas.openxmlformats.org/presentationml/2006/main">
   <p:cSld>
+    <p:bg>
+      <p:bgPr>
+        <a:solidFill>
+          <a:schemeClr val="bg1"/>
+        </a:solidFill>
+        <a:effectLst/>
+      </p:bgPr>
+    </p:bg>
+    <p:spTree>
+      <p:nvGrpSpPr>
+        <p:cNvPr id="1" name="">
+          <a:extLst>
+            <a:ext uri="{FF2B5EF4-FFF2-40B4-BE49-F238E27FC236}">
+              <a16:creationId xmlns:a16="http://schemas.microsoft.com/office/drawing/2014/main" id="{4CDB063F-2BE2-7862-80D2-DD9D62B894B5}"/>
+            </a:ext>
+          </a:extLst>
+        </p:cNvPr>
+        <p:cNvGrpSpPr/>
+        <p:nvPr/>
+      </p:nvGrpSpPr>
+      <p:grpSpPr>
+        <a:xfrm>
+          <a:off x="0" y="0"/>
+          <a:ext cx="0" cy="0"/>
+          <a:chOff x="0" y="0"/>
+          <a:chExt cx="0" cy="0"/>
+        </a:xfrm>
+      </p:grpSpPr>
+      <p:pic>
+        <p:nvPicPr>
+          <p:cNvPr id="4" name="Picture 3">
+            <a:extLst>
+              <a:ext uri="{FF2B5EF4-FFF2-40B4-BE49-F238E27FC236}">
+                <a16:creationId xmlns:a16="http://schemas.microsoft.com/office/drawing/2014/main" id="{D9F51890-851B-182B-22AB-68656A8B163C}"/>
+              </a:ext>
+            </a:extLst>
+          </p:cNvPr>
+          <p:cNvPicPr>
+            <a:picLocks noChangeAspect="1"/>
+          </p:cNvPicPr>
+          <p:nvPr/>
+        </p:nvPicPr>
+        <p:blipFill>
+          <a:blip r:embed="rId2"/>
+          <a:stretch>
+            <a:fillRect/>
+          </a:stretch>
+        </p:blipFill>
+        <p:spPr>
+          <a:xfrm>
+            <a:off x="4191000" y="1358900"/>
+            <a:ext cx="3810000" cy="4140200"/>
+          </a:xfrm>
+          <a:prstGeom prst="rect">
+            <a:avLst/>
+          </a:prstGeom>
+        </p:spPr>
+      </p:pic>
+    </p:spTree>
+    <p:extLst>
+      <p:ext uri="{BB962C8B-B14F-4D97-AF65-F5344CB8AC3E}">
+        <p14:creationId xmlns:p14="http://schemas.microsoft.com/office/powerpoint/2010/main" val="2701810344"/>
+      </p:ext>
+    </p:extLst>
+  </p:cSld>
+  <p:clrMapOvr>
+    <a:masterClrMapping/>
+  </p:clrMapOvr>
+</p:sld>
+</file>
+
+<file path=ppt/slides/slide6.xml><?xml version="1.0" encoding="utf-8"?>
+<p:sld xmlns:a="http://schemas.openxmlformats.org/drawingml/2006/main" xmlns:r="http://schemas.openxmlformats.org/officeDocument/2006/relationships" xmlns:p="http://schemas.openxmlformats.org/presentationml/2006/main">
+  <p:cSld>
     <p:spTree>
       <p:nvGrpSpPr>
         <p:cNvPr id="1" name="">
@@ -4762,7 +4876,7 @@
 </p:sld>
 </file>
 
-<file path=ppt/slides/slide6.xml><?xml version="1.0" encoding="utf-8"?>
+<file path=ppt/slides/slide7.xml><?xml version="1.0" encoding="utf-8"?>
 <p:sld xmlns:a="http://schemas.openxmlformats.org/drawingml/2006/main" xmlns:r="http://schemas.openxmlformats.org/officeDocument/2006/relationships" xmlns:p="http://schemas.openxmlformats.org/presentationml/2006/main">
   <p:cSld>
     <p:spTree>
